--- a/misc/BoardUltimatumPoster.pptx
+++ b/misc/BoardUltimatumPoster.pptx
@@ -3977,12 +3977,7 @@
             <a:srgbClr val="8E0000"/>
           </a:solidFill>
           <a:ln w="28575">
-            <a:solidFill>
-              <a:schemeClr val="tx2">
-                <a:lumMod val="95000"/>
-                <a:lumOff val="5000"/>
-              </a:schemeClr>
-            </a:solidFill>
+            <a:noFill/>
             <a:miter lim="800000"/>
             <a:headEnd/>
             <a:tailEnd/>
@@ -4814,7 +4809,7 @@
         </p:nvGrpSpPr>
         <p:grpSpPr>
           <a:xfrm>
-            <a:off x="609600" y="9753600"/>
+            <a:off x="609600" y="13622238"/>
             <a:ext cx="14706600" cy="1447800"/>
             <a:chOff x="609600" y="4495800"/>
             <a:chExt cx="14706600" cy="1447800"/>
@@ -4951,7 +4946,7 @@
         </p:nvGrpSpPr>
         <p:grpSpPr>
           <a:xfrm>
-            <a:off x="16611600" y="9753600"/>
+            <a:off x="16611600" y="19126200"/>
             <a:ext cx="14706600" cy="1447800"/>
             <a:chOff x="609600" y="4495800"/>
             <a:chExt cx="14706600" cy="1447800"/>
@@ -5225,7 +5220,7 @@
         </p:nvGrpSpPr>
         <p:grpSpPr>
           <a:xfrm>
-            <a:off x="16611600" y="15849600"/>
+            <a:off x="16611600" y="25222200"/>
             <a:ext cx="14706600" cy="1447800"/>
             <a:chOff x="609600" y="4495800"/>
             <a:chExt cx="14706600" cy="1447800"/>
@@ -5384,6 +5379,884 @@
           </a:ln>
         </p:spPr>
       </p:pic>
+      <p:sp>
+        <p:nvSpPr>
+          <p:cNvPr id="24" name="TextBox 23"/>
+          <p:cNvSpPr txBox="1"/>
+          <p:nvPr/>
+        </p:nvSpPr>
+        <p:spPr>
+          <a:xfrm>
+            <a:off x="609600" y="15070038"/>
+            <a:ext cx="14782800" cy="9694962"/>
+          </a:xfrm>
+          <a:prstGeom prst="rect">
+            <a:avLst/>
+          </a:prstGeom>
+          <a:noFill/>
+        </p:spPr>
+        <p:txBody>
+          <a:bodyPr wrap="square" rtlCol="0">
+            <a:spAutoFit/>
+          </a:bodyPr>
+          <a:lstStyle/>
+          <a:p>
+            <a:pPr marL="504825" indent="-457200"/>
+            <a:endParaRPr lang="en-US" sz="4800" dirty="0" smtClean="0">
+              <a:solidFill>
+                <a:srgbClr val="CCCCCC"/>
+              </a:solidFill>
+              <a:latin typeface="Arial" pitchFamily="34" charset="0"/>
+              <a:cs typeface="Arial" pitchFamily="34" charset="0"/>
+            </a:endParaRPr>
+          </a:p>
+          <a:p>
+            <a:pPr marL="504825" indent="-457200">
+              <a:buFont typeface="Arial" pitchFamily="34" charset="0"/>
+              <a:buChar char="•"/>
+            </a:pPr>
+            <a:r>
+              <a:rPr lang="en-US" sz="4800" dirty="0" smtClean="0">
+                <a:solidFill>
+                  <a:srgbClr val="CCCCCC"/>
+                </a:solidFill>
+                <a:latin typeface="Arial" pitchFamily="34" charset="0"/>
+                <a:cs typeface="Arial" pitchFamily="34" charset="0"/>
+              </a:rPr>
+              <a:t>Rule-based Recommendation Engine</a:t>
+            </a:r>
+          </a:p>
+          <a:p>
+            <a:pPr marL="962025" lvl="2" indent="-457200">
+              <a:buFont typeface="Arial" pitchFamily="34" charset="0"/>
+              <a:buChar char="•"/>
+            </a:pPr>
+            <a:r>
+              <a:rPr lang="en-US" sz="4800" dirty="0" smtClean="0">
+                <a:solidFill>
+                  <a:srgbClr val="CCCCCC"/>
+                </a:solidFill>
+                <a:latin typeface="Arial" pitchFamily="34" charset="0"/>
+                <a:cs typeface="Arial" pitchFamily="34" charset="0"/>
+              </a:rPr>
+              <a:t>We’ve got it!</a:t>
+            </a:r>
+            <a:br>
+              <a:rPr lang="en-US" sz="4800" dirty="0" smtClean="0">
+                <a:solidFill>
+                  <a:srgbClr val="CCCCCC"/>
+                </a:solidFill>
+                <a:latin typeface="Arial" pitchFamily="34" charset="0"/>
+                <a:cs typeface="Arial" pitchFamily="34" charset="0"/>
+              </a:rPr>
+            </a:br>
+            <a:endParaRPr lang="en-US" sz="4800" dirty="0" smtClean="0">
+              <a:solidFill>
+                <a:srgbClr val="CCCCCC"/>
+              </a:solidFill>
+              <a:latin typeface="Arial" pitchFamily="34" charset="0"/>
+              <a:cs typeface="Arial" pitchFamily="34" charset="0"/>
+            </a:endParaRPr>
+          </a:p>
+          <a:p>
+            <a:pPr marL="504825" indent="-457200">
+              <a:buFont typeface="Arial" pitchFamily="34" charset="0"/>
+              <a:buChar char="•"/>
+            </a:pPr>
+            <a:r>
+              <a:rPr lang="en-US" sz="4800" dirty="0" smtClean="0">
+                <a:solidFill>
+                  <a:srgbClr val="CCCCCC"/>
+                </a:solidFill>
+                <a:latin typeface="Arial" pitchFamily="34" charset="0"/>
+                <a:cs typeface="Arial" pitchFamily="34" charset="0"/>
+              </a:rPr>
+              <a:t>Similarity Engine</a:t>
+            </a:r>
+          </a:p>
+          <a:p>
+            <a:pPr marL="962025" lvl="2" indent="-457200">
+              <a:buFont typeface="Arial" pitchFamily="34" charset="0"/>
+              <a:buChar char="•"/>
+            </a:pPr>
+            <a:r>
+              <a:rPr lang="en-US" sz="4800" dirty="0" smtClean="0">
+                <a:solidFill>
+                  <a:srgbClr val="CCCCCC"/>
+                </a:solidFill>
+                <a:latin typeface="Arial" pitchFamily="34" charset="0"/>
+                <a:cs typeface="Arial" pitchFamily="34" charset="0"/>
+              </a:rPr>
+              <a:t>Someday, it may work!</a:t>
+            </a:r>
+            <a:br>
+              <a:rPr lang="en-US" sz="4800" dirty="0" smtClean="0">
+                <a:solidFill>
+                  <a:srgbClr val="CCCCCC"/>
+                </a:solidFill>
+                <a:latin typeface="Arial" pitchFamily="34" charset="0"/>
+                <a:cs typeface="Arial" pitchFamily="34" charset="0"/>
+              </a:rPr>
+            </a:br>
+            <a:endParaRPr lang="en-US" sz="4800" dirty="0" smtClean="0">
+              <a:solidFill>
+                <a:srgbClr val="CCCCCC"/>
+              </a:solidFill>
+              <a:latin typeface="Arial" pitchFamily="34" charset="0"/>
+              <a:cs typeface="Arial" pitchFamily="34" charset="0"/>
+            </a:endParaRPr>
+          </a:p>
+          <a:p>
+            <a:pPr marL="504825" indent="-457200">
+              <a:buFont typeface="Arial" pitchFamily="34" charset="0"/>
+              <a:buChar char="•"/>
+            </a:pPr>
+            <a:r>
+              <a:rPr lang="en-US" sz="4800" dirty="0" smtClean="0">
+                <a:solidFill>
+                  <a:srgbClr val="CCCCCC"/>
+                </a:solidFill>
+                <a:latin typeface="Arial" pitchFamily="34" charset="0"/>
+                <a:cs typeface="Arial" pitchFamily="34" charset="0"/>
+              </a:rPr>
+              <a:t>Beautiful and User-Friendly Frontend</a:t>
+            </a:r>
+          </a:p>
+          <a:p>
+            <a:pPr marL="962025" lvl="2" indent="-457200">
+              <a:buFont typeface="Arial" pitchFamily="34" charset="0"/>
+              <a:buChar char="•"/>
+            </a:pPr>
+            <a:r>
+              <a:rPr lang="en-US" sz="4800" dirty="0" smtClean="0">
+                <a:solidFill>
+                  <a:srgbClr val="CCCCCC"/>
+                </a:solidFill>
+                <a:latin typeface="Arial" pitchFamily="34" charset="0"/>
+                <a:cs typeface="Arial" pitchFamily="34" charset="0"/>
+              </a:rPr>
+              <a:t>From the people who brought you Twitter</a:t>
+            </a:r>
+          </a:p>
+          <a:p>
+            <a:pPr marL="504825" lvl="1" indent="-457200">
+              <a:buFont typeface="Arial" pitchFamily="34" charset="0"/>
+              <a:buChar char="•"/>
+            </a:pPr>
+            <a:endParaRPr lang="en-US" sz="4800" dirty="0" smtClean="0">
+              <a:solidFill>
+                <a:srgbClr val="CCCCCC"/>
+              </a:solidFill>
+              <a:latin typeface="Arial" pitchFamily="34" charset="0"/>
+              <a:cs typeface="Arial" pitchFamily="34" charset="0"/>
+            </a:endParaRPr>
+          </a:p>
+          <a:p>
+            <a:pPr marL="504825" indent="-457200">
+              <a:buFont typeface="Arial" pitchFamily="34" charset="0"/>
+              <a:buChar char="•"/>
+            </a:pPr>
+            <a:r>
+              <a:rPr lang="en-US" sz="4800" dirty="0" smtClean="0">
+                <a:solidFill>
+                  <a:srgbClr val="CCCCCC"/>
+                </a:solidFill>
+                <a:latin typeface="Arial" pitchFamily="34" charset="0"/>
+                <a:cs typeface="Arial" pitchFamily="34" charset="0"/>
+              </a:rPr>
+              <a:t>Persistent Data-store</a:t>
+            </a:r>
+          </a:p>
+          <a:p>
+            <a:pPr marL="962025" lvl="2" indent="-457200">
+              <a:buFont typeface="Arial" pitchFamily="34" charset="0"/>
+              <a:buChar char="•"/>
+            </a:pPr>
+            <a:r>
+              <a:rPr lang="en-US" sz="4800" dirty="0" smtClean="0">
+                <a:solidFill>
+                  <a:srgbClr val="CCCCCC"/>
+                </a:solidFill>
+                <a:latin typeface="Arial" pitchFamily="34" charset="0"/>
+                <a:cs typeface="Arial" pitchFamily="34" charset="0"/>
+              </a:rPr>
+              <a:t>No SQL in this application</a:t>
+            </a:r>
+            <a:br>
+              <a:rPr lang="en-US" sz="4800" dirty="0" smtClean="0">
+                <a:solidFill>
+                  <a:srgbClr val="CCCCCC"/>
+                </a:solidFill>
+                <a:latin typeface="Arial" pitchFamily="34" charset="0"/>
+                <a:cs typeface="Arial" pitchFamily="34" charset="0"/>
+              </a:rPr>
+            </a:br>
+            <a:endParaRPr lang="en-US" sz="4800" dirty="0" smtClean="0">
+              <a:solidFill>
+                <a:srgbClr val="CCCCCC"/>
+              </a:solidFill>
+              <a:latin typeface="Arial" pitchFamily="34" charset="0"/>
+              <a:cs typeface="Arial" pitchFamily="34" charset="0"/>
+            </a:endParaRPr>
+          </a:p>
+        </p:txBody>
+      </p:sp>
+      <p:sp>
+        <p:nvSpPr>
+          <p:cNvPr id="25" name="TextBox 24"/>
+          <p:cNvSpPr txBox="1"/>
+          <p:nvPr/>
+        </p:nvSpPr>
+        <p:spPr>
+          <a:xfrm>
+            <a:off x="16535400" y="5943600"/>
+            <a:ext cx="14782800" cy="10433625"/>
+          </a:xfrm>
+          <a:prstGeom prst="rect">
+            <a:avLst/>
+          </a:prstGeom>
+          <a:noFill/>
+        </p:spPr>
+        <p:txBody>
+          <a:bodyPr wrap="square" rtlCol="0">
+            <a:spAutoFit/>
+          </a:bodyPr>
+          <a:lstStyle/>
+          <a:p>
+            <a:pPr marL="457200" indent="-457200"/>
+            <a:endParaRPr lang="en-US" sz="4800" dirty="0" smtClean="0">
+              <a:solidFill>
+                <a:srgbClr val="CCCCCC"/>
+              </a:solidFill>
+              <a:latin typeface="Arial" pitchFamily="34" charset="0"/>
+              <a:cs typeface="Arial" pitchFamily="34" charset="0"/>
+            </a:endParaRPr>
+          </a:p>
+          <a:p>
+            <a:pPr marL="457200" indent="-457200">
+              <a:buFont typeface="Arial" pitchFamily="34" charset="0"/>
+              <a:buChar char="•"/>
+            </a:pPr>
+            <a:r>
+              <a:rPr lang="en-US" sz="4800" dirty="0" smtClean="0">
+                <a:solidFill>
+                  <a:srgbClr val="CCCCCC"/>
+                </a:solidFill>
+                <a:latin typeface="Arial" pitchFamily="34" charset="0"/>
+                <a:cs typeface="Arial" pitchFamily="34" charset="0"/>
+              </a:rPr>
+              <a:t>Written in 100% </a:t>
+            </a:r>
+            <a:r>
+              <a:rPr lang="en-US" sz="4800" dirty="0" err="1" smtClean="0">
+                <a:solidFill>
+                  <a:srgbClr val="CCCCCC"/>
+                </a:solidFill>
+                <a:latin typeface="Arial" pitchFamily="34" charset="0"/>
+                <a:cs typeface="Arial" pitchFamily="34" charset="0"/>
+              </a:rPr>
+              <a:t>Clojure</a:t>
+            </a:r>
+            <a:r>
+              <a:rPr lang="en-US" sz="4800" dirty="0" smtClean="0">
+                <a:solidFill>
+                  <a:srgbClr val="CCCCCC"/>
+                </a:solidFill>
+                <a:latin typeface="Arial" pitchFamily="34" charset="0"/>
+                <a:cs typeface="Arial" pitchFamily="34" charset="0"/>
+              </a:rPr>
+              <a:t>!</a:t>
+            </a:r>
+          </a:p>
+          <a:p>
+            <a:pPr lvl="2" indent="-457200">
+              <a:buFont typeface="Arial" pitchFamily="34" charset="0"/>
+              <a:buChar char="•"/>
+            </a:pPr>
+            <a:r>
+              <a:rPr lang="en-US" sz="4800" dirty="0" smtClean="0">
+                <a:solidFill>
+                  <a:srgbClr val="CCCCCC"/>
+                </a:solidFill>
+                <a:latin typeface="Arial" pitchFamily="34" charset="0"/>
+                <a:cs typeface="Arial" pitchFamily="34" charset="0"/>
+              </a:rPr>
+              <a:t>Haven’t head of it? </a:t>
+            </a:r>
+          </a:p>
+          <a:p>
+            <a:pPr lvl="2" indent="-457200">
+              <a:buFont typeface="Arial" pitchFamily="34" charset="0"/>
+              <a:buChar char="•"/>
+            </a:pPr>
+            <a:r>
+              <a:rPr lang="en-US" sz="4800" dirty="0" smtClean="0">
+                <a:solidFill>
+                  <a:srgbClr val="CCCCCC"/>
+                </a:solidFill>
+                <a:latin typeface="Arial" pitchFamily="34" charset="0"/>
+                <a:cs typeface="Arial" pitchFamily="34" charset="0"/>
+              </a:rPr>
+              <a:t>You must not be one of the “cool kids”</a:t>
+            </a:r>
+            <a:br>
+              <a:rPr lang="en-US" sz="4800" dirty="0" smtClean="0">
+                <a:solidFill>
+                  <a:srgbClr val="CCCCCC"/>
+                </a:solidFill>
+                <a:latin typeface="Arial" pitchFamily="34" charset="0"/>
+                <a:cs typeface="Arial" pitchFamily="34" charset="0"/>
+              </a:rPr>
+            </a:br>
+            <a:endParaRPr lang="en-US" sz="4800" dirty="0" smtClean="0">
+              <a:solidFill>
+                <a:srgbClr val="CCCCCC"/>
+              </a:solidFill>
+              <a:latin typeface="Arial" pitchFamily="34" charset="0"/>
+              <a:cs typeface="Arial" pitchFamily="34" charset="0"/>
+            </a:endParaRPr>
+          </a:p>
+          <a:p>
+            <a:pPr marL="457200" indent="-457200">
+              <a:buFont typeface="Arial" pitchFamily="34" charset="0"/>
+              <a:buChar char="•"/>
+            </a:pPr>
+            <a:r>
+              <a:rPr lang="en-US" sz="4800" dirty="0" smtClean="0">
+                <a:solidFill>
+                  <a:srgbClr val="CCCCCC"/>
+                </a:solidFill>
+                <a:latin typeface="Arial" pitchFamily="34" charset="0"/>
+                <a:cs typeface="Arial" pitchFamily="34" charset="0"/>
+              </a:rPr>
+              <a:t>Noir Web Framework</a:t>
+            </a:r>
+          </a:p>
+          <a:p>
+            <a:pPr lvl="2" indent="-457200">
+              <a:buFont typeface="Arial" pitchFamily="34" charset="0"/>
+              <a:buChar char="•"/>
+            </a:pPr>
+            <a:r>
+              <a:rPr lang="en-US" sz="4800" dirty="0" smtClean="0">
+                <a:solidFill>
+                  <a:srgbClr val="CCCCCC"/>
+                </a:solidFill>
+                <a:latin typeface="Arial" pitchFamily="34" charset="0"/>
+                <a:cs typeface="Arial" pitchFamily="34" charset="0"/>
+              </a:rPr>
+              <a:t>It’s dark and mysterious</a:t>
+            </a:r>
+          </a:p>
+          <a:p>
+            <a:pPr lvl="2" indent="-457200">
+              <a:buFont typeface="Arial" pitchFamily="34" charset="0"/>
+              <a:buChar char="•"/>
+            </a:pPr>
+            <a:r>
+              <a:rPr lang="en-US" sz="4800" dirty="0" smtClean="0">
+                <a:solidFill>
+                  <a:srgbClr val="CCCCCC"/>
+                </a:solidFill>
+                <a:latin typeface="Arial" pitchFamily="34" charset="0"/>
+                <a:cs typeface="Arial" pitchFamily="34" charset="0"/>
+              </a:rPr>
+              <a:t>Just kidding, it’s super easy</a:t>
+            </a:r>
+            <a:br>
+              <a:rPr lang="en-US" sz="4800" dirty="0" smtClean="0">
+                <a:solidFill>
+                  <a:srgbClr val="CCCCCC"/>
+                </a:solidFill>
+                <a:latin typeface="Arial" pitchFamily="34" charset="0"/>
+                <a:cs typeface="Arial" pitchFamily="34" charset="0"/>
+              </a:rPr>
+            </a:br>
+            <a:endParaRPr lang="en-US" sz="4800" dirty="0" smtClean="0">
+              <a:solidFill>
+                <a:srgbClr val="CCCCCC"/>
+              </a:solidFill>
+              <a:latin typeface="Arial" pitchFamily="34" charset="0"/>
+              <a:cs typeface="Arial" pitchFamily="34" charset="0"/>
+            </a:endParaRPr>
+          </a:p>
+          <a:p>
+            <a:pPr marL="457200" indent="-457200">
+              <a:buFont typeface="Arial" pitchFamily="34" charset="0"/>
+              <a:buChar char="•"/>
+            </a:pPr>
+            <a:r>
+              <a:rPr lang="en-US" sz="4800" dirty="0" smtClean="0">
+                <a:solidFill>
+                  <a:srgbClr val="CCCCCC"/>
+                </a:solidFill>
+                <a:latin typeface="Arial" pitchFamily="34" charset="0"/>
+                <a:cs typeface="Arial" pitchFamily="34" charset="0"/>
+              </a:rPr>
+              <a:t>Hiccup </a:t>
+            </a:r>
+            <a:r>
+              <a:rPr lang="en-US" sz="4800" dirty="0" err="1" smtClean="0">
+                <a:solidFill>
+                  <a:srgbClr val="CCCCCC"/>
+                </a:solidFill>
+                <a:latin typeface="Arial" pitchFamily="34" charset="0"/>
+                <a:cs typeface="Arial" pitchFamily="34" charset="0"/>
+              </a:rPr>
+              <a:t>Templating</a:t>
+            </a:r>
+            <a:endParaRPr lang="en-US" sz="4800" dirty="0" smtClean="0">
+              <a:solidFill>
+                <a:srgbClr val="CCCCCC"/>
+              </a:solidFill>
+              <a:latin typeface="Arial" pitchFamily="34" charset="0"/>
+              <a:cs typeface="Arial" pitchFamily="34" charset="0"/>
+            </a:endParaRPr>
+          </a:p>
+          <a:p>
+            <a:pPr lvl="2" indent="-457200">
+              <a:buFont typeface="Arial" pitchFamily="34" charset="0"/>
+              <a:buChar char="•"/>
+            </a:pPr>
+            <a:r>
+              <a:rPr lang="en-US" sz="4800" dirty="0" smtClean="0">
+                <a:solidFill>
+                  <a:srgbClr val="CCCCCC"/>
+                </a:solidFill>
+                <a:latin typeface="Arial" pitchFamily="34" charset="0"/>
+                <a:cs typeface="Arial" pitchFamily="34" charset="0"/>
+              </a:rPr>
+              <a:t>Markup </a:t>
+            </a:r>
+            <a:r>
+              <a:rPr lang="en-US" sz="4800" dirty="0" err="1" smtClean="0">
+                <a:solidFill>
+                  <a:srgbClr val="CCCCCC"/>
+                </a:solidFill>
+                <a:latin typeface="Arial" pitchFamily="34" charset="0"/>
+                <a:cs typeface="Arial" pitchFamily="34" charset="0"/>
+              </a:rPr>
+              <a:t>shmarkup</a:t>
+            </a:r>
+            <a:r>
+              <a:rPr lang="en-US" sz="4800" dirty="0" smtClean="0">
+                <a:solidFill>
+                  <a:srgbClr val="CCCCCC"/>
+                </a:solidFill>
+                <a:latin typeface="Arial" pitchFamily="34" charset="0"/>
+                <a:cs typeface="Arial" pitchFamily="34" charset="0"/>
+              </a:rPr>
+              <a:t> </a:t>
+            </a:r>
+            <a:br>
+              <a:rPr lang="en-US" sz="4800" dirty="0" smtClean="0">
+                <a:solidFill>
+                  <a:srgbClr val="CCCCCC"/>
+                </a:solidFill>
+                <a:latin typeface="Arial" pitchFamily="34" charset="0"/>
+                <a:cs typeface="Arial" pitchFamily="34" charset="0"/>
+              </a:rPr>
+            </a:br>
+            <a:endParaRPr lang="en-US" sz="4800" dirty="0" smtClean="0">
+              <a:solidFill>
+                <a:srgbClr val="CCCCCC"/>
+              </a:solidFill>
+              <a:latin typeface="Arial" pitchFamily="34" charset="0"/>
+              <a:cs typeface="Arial" pitchFamily="34" charset="0"/>
+            </a:endParaRPr>
+          </a:p>
+          <a:p>
+            <a:pPr marL="457200" indent="-457200">
+              <a:buFont typeface="Arial" pitchFamily="34" charset="0"/>
+              <a:buChar char="•"/>
+            </a:pPr>
+            <a:r>
+              <a:rPr lang="en-US" sz="4800" dirty="0" smtClean="0">
+                <a:solidFill>
+                  <a:srgbClr val="CCCCCC"/>
+                </a:solidFill>
+                <a:latin typeface="Arial" pitchFamily="34" charset="0"/>
+                <a:cs typeface="Arial" pitchFamily="34" charset="0"/>
+              </a:rPr>
+              <a:t>Bootstrap UI </a:t>
+            </a:r>
+          </a:p>
+          <a:p>
+            <a:pPr lvl="2" indent="-457200">
+              <a:buFont typeface="Arial" pitchFamily="34" charset="0"/>
+              <a:buChar char="•"/>
+            </a:pPr>
+            <a:r>
+              <a:rPr lang="en-US" sz="4800" dirty="0" smtClean="0">
+                <a:solidFill>
+                  <a:srgbClr val="CCCCCC"/>
+                </a:solidFill>
+                <a:latin typeface="Arial" pitchFamily="34" charset="0"/>
+                <a:cs typeface="Arial" pitchFamily="34" charset="0"/>
+              </a:rPr>
+              <a:t>Forms in a flash</a:t>
+            </a:r>
+            <a:endParaRPr lang="en-US" sz="4800" dirty="0">
+              <a:solidFill>
+                <a:srgbClr val="CCCCCC"/>
+              </a:solidFill>
+              <a:latin typeface="Arial" pitchFamily="34" charset="0"/>
+              <a:cs typeface="Arial" pitchFamily="34" charset="0"/>
+            </a:endParaRPr>
+          </a:p>
+        </p:txBody>
+      </p:sp>
+      <p:sp>
+        <p:nvSpPr>
+          <p:cNvPr id="26" name="TextBox 25"/>
+          <p:cNvSpPr txBox="1"/>
+          <p:nvPr/>
+        </p:nvSpPr>
+        <p:spPr>
+          <a:xfrm>
+            <a:off x="609600" y="5943600"/>
+            <a:ext cx="14782800" cy="6740307"/>
+          </a:xfrm>
+          <a:prstGeom prst="rect">
+            <a:avLst/>
+          </a:prstGeom>
+          <a:noFill/>
+        </p:spPr>
+        <p:txBody>
+          <a:bodyPr wrap="square" rtlCol="0">
+            <a:spAutoFit/>
+          </a:bodyPr>
+          <a:lstStyle/>
+          <a:p>
+            <a:pPr marL="481013" indent="-481013"/>
+            <a:endParaRPr lang="en-US" sz="4800" dirty="0" smtClean="0">
+              <a:solidFill>
+                <a:srgbClr val="CCCCCC"/>
+              </a:solidFill>
+              <a:latin typeface="Arial" pitchFamily="34" charset="0"/>
+              <a:cs typeface="Arial" pitchFamily="34" charset="0"/>
+            </a:endParaRPr>
+          </a:p>
+          <a:p>
+            <a:pPr marL="481013" indent="-481013">
+              <a:buFont typeface="Arial" pitchFamily="34" charset="0"/>
+              <a:buChar char="•"/>
+            </a:pPr>
+            <a:r>
+              <a:rPr lang="en-US" sz="4800" dirty="0" smtClean="0">
+                <a:solidFill>
+                  <a:srgbClr val="CCCCCC"/>
+                </a:solidFill>
+                <a:latin typeface="Arial" pitchFamily="34" charset="0"/>
+                <a:cs typeface="Arial" pitchFamily="34" charset="0"/>
+              </a:rPr>
+              <a:t> People like to play board games</a:t>
+            </a:r>
+            <a:br>
+              <a:rPr lang="en-US" sz="4800" dirty="0" smtClean="0">
+                <a:solidFill>
+                  <a:srgbClr val="CCCCCC"/>
+                </a:solidFill>
+                <a:latin typeface="Arial" pitchFamily="34" charset="0"/>
+                <a:cs typeface="Arial" pitchFamily="34" charset="0"/>
+              </a:rPr>
+            </a:br>
+            <a:endParaRPr lang="en-US" sz="4800" dirty="0" smtClean="0">
+              <a:solidFill>
+                <a:srgbClr val="CCCCCC"/>
+              </a:solidFill>
+              <a:latin typeface="Arial" pitchFamily="34" charset="0"/>
+              <a:cs typeface="Arial" pitchFamily="34" charset="0"/>
+            </a:endParaRPr>
+          </a:p>
+          <a:p>
+            <a:pPr marL="481013" indent="-481013">
+              <a:buFont typeface="Arial" pitchFamily="34" charset="0"/>
+              <a:buChar char="•"/>
+            </a:pPr>
+            <a:r>
+              <a:rPr lang="en-US" sz="4800" dirty="0" smtClean="0">
+                <a:solidFill>
+                  <a:srgbClr val="CCCCCC"/>
+                </a:solidFill>
+                <a:latin typeface="Arial" pitchFamily="34" charset="0"/>
+                <a:cs typeface="Arial" pitchFamily="34" charset="0"/>
+              </a:rPr>
+              <a:t>Sometimes they don’t know what games to play</a:t>
+            </a:r>
+            <a:br>
+              <a:rPr lang="en-US" sz="4800" dirty="0" smtClean="0">
+                <a:solidFill>
+                  <a:srgbClr val="CCCCCC"/>
+                </a:solidFill>
+                <a:latin typeface="Arial" pitchFamily="34" charset="0"/>
+                <a:cs typeface="Arial" pitchFamily="34" charset="0"/>
+              </a:rPr>
+            </a:br>
+            <a:endParaRPr lang="en-US" sz="4800" dirty="0" smtClean="0">
+              <a:solidFill>
+                <a:srgbClr val="CCCCCC"/>
+              </a:solidFill>
+              <a:latin typeface="Arial" pitchFamily="34" charset="0"/>
+              <a:cs typeface="Arial" pitchFamily="34" charset="0"/>
+            </a:endParaRPr>
+          </a:p>
+          <a:p>
+            <a:pPr marL="481013" indent="-481013">
+              <a:buFont typeface="Arial" pitchFamily="34" charset="0"/>
+              <a:buChar char="•"/>
+            </a:pPr>
+            <a:r>
+              <a:rPr lang="en-US" sz="4800" dirty="0" smtClean="0">
+                <a:solidFill>
+                  <a:srgbClr val="CCCCCC"/>
+                </a:solidFill>
+                <a:latin typeface="Arial" pitchFamily="34" charset="0"/>
+                <a:cs typeface="Arial" pitchFamily="34" charset="0"/>
+              </a:rPr>
+              <a:t>M</a:t>
+            </a:r>
+            <a:r>
+              <a:rPr lang="en-US" sz="4800" dirty="0" smtClean="0">
+                <a:solidFill>
+                  <a:srgbClr val="CCCCCC"/>
+                </a:solidFill>
+                <a:latin typeface="Arial" pitchFamily="34" charset="0"/>
+                <a:cs typeface="Arial" pitchFamily="34" charset="0"/>
+              </a:rPr>
+              <a:t>any of these people are members at CABS (Columbus Area </a:t>
+            </a:r>
+            <a:r>
+              <a:rPr lang="en-US" sz="4800" dirty="0" err="1" smtClean="0">
+                <a:solidFill>
+                  <a:srgbClr val="CCCCCC"/>
+                </a:solidFill>
+                <a:latin typeface="Arial" pitchFamily="34" charset="0"/>
+                <a:cs typeface="Arial" pitchFamily="34" charset="0"/>
+              </a:rPr>
+              <a:t>Boardgaming</a:t>
+            </a:r>
+            <a:r>
+              <a:rPr lang="en-US" sz="4800" dirty="0" smtClean="0">
+                <a:solidFill>
+                  <a:srgbClr val="CCCCCC"/>
+                </a:solidFill>
+                <a:latin typeface="Arial" pitchFamily="34" charset="0"/>
+                <a:cs typeface="Arial" pitchFamily="34" charset="0"/>
+              </a:rPr>
+              <a:t> Society)</a:t>
+            </a:r>
+            <a:br>
+              <a:rPr lang="en-US" sz="4800" dirty="0" smtClean="0">
+                <a:solidFill>
+                  <a:srgbClr val="CCCCCC"/>
+                </a:solidFill>
+                <a:latin typeface="Arial" pitchFamily="34" charset="0"/>
+                <a:cs typeface="Arial" pitchFamily="34" charset="0"/>
+              </a:rPr>
+            </a:br>
+            <a:endParaRPr lang="en-US" sz="4800" dirty="0" smtClean="0">
+              <a:solidFill>
+                <a:srgbClr val="CCCCCC"/>
+              </a:solidFill>
+              <a:latin typeface="Arial" pitchFamily="34" charset="0"/>
+              <a:cs typeface="Arial" pitchFamily="34" charset="0"/>
+            </a:endParaRPr>
+          </a:p>
+          <a:p>
+            <a:pPr marL="481013" indent="-481013">
+              <a:buFont typeface="Arial" pitchFamily="34" charset="0"/>
+              <a:buChar char="•"/>
+            </a:pPr>
+            <a:r>
+              <a:rPr lang="en-US" sz="4800" dirty="0" smtClean="0">
+                <a:solidFill>
+                  <a:srgbClr val="CCCCCC"/>
+                </a:solidFill>
+                <a:latin typeface="Arial" pitchFamily="34" charset="0"/>
+                <a:cs typeface="Arial" pitchFamily="34" charset="0"/>
+              </a:rPr>
+              <a:t>We made an app for them</a:t>
+            </a:r>
+          </a:p>
+        </p:txBody>
+      </p:sp>
+      <p:sp>
+        <p:nvSpPr>
+          <p:cNvPr id="28" name="TextBox 27"/>
+          <p:cNvSpPr txBox="1"/>
+          <p:nvPr/>
+        </p:nvSpPr>
+        <p:spPr>
+          <a:xfrm>
+            <a:off x="16611600" y="26670000"/>
+            <a:ext cx="14782800" cy="4524315"/>
+          </a:xfrm>
+          <a:prstGeom prst="rect">
+            <a:avLst/>
+          </a:prstGeom>
+          <a:noFill/>
+        </p:spPr>
+        <p:txBody>
+          <a:bodyPr wrap="square" rtlCol="0">
+            <a:spAutoFit/>
+          </a:bodyPr>
+          <a:lstStyle/>
+          <a:p>
+            <a:pPr marL="457200" indent="-457200"/>
+            <a:endParaRPr lang="en-US" sz="4800" dirty="0" smtClean="0">
+              <a:solidFill>
+                <a:srgbClr val="CCCCCC"/>
+              </a:solidFill>
+              <a:latin typeface="Arial" pitchFamily="34" charset="0"/>
+              <a:cs typeface="Arial" pitchFamily="34" charset="0"/>
+            </a:endParaRPr>
+          </a:p>
+          <a:p>
+            <a:pPr marL="457200" indent="-457200">
+              <a:buFont typeface="Arial" pitchFamily="34" charset="0"/>
+              <a:buChar char="•"/>
+            </a:pPr>
+            <a:r>
+              <a:rPr lang="en-US" sz="4800" dirty="0" smtClean="0">
+                <a:solidFill>
+                  <a:srgbClr val="CCCCCC"/>
+                </a:solidFill>
+                <a:latin typeface="Arial" pitchFamily="34" charset="0"/>
+                <a:cs typeface="Arial" pitchFamily="34" charset="0"/>
+              </a:rPr>
+              <a:t>We would like to thank the members of CABS, especially our experts</a:t>
+            </a:r>
+            <a:br>
+              <a:rPr lang="en-US" sz="4800" dirty="0" smtClean="0">
+                <a:solidFill>
+                  <a:srgbClr val="CCCCCC"/>
+                </a:solidFill>
+                <a:latin typeface="Arial" pitchFamily="34" charset="0"/>
+                <a:cs typeface="Arial" pitchFamily="34" charset="0"/>
+              </a:rPr>
+            </a:br>
+            <a:endParaRPr lang="en-US" sz="4800" dirty="0" smtClean="0">
+              <a:solidFill>
+                <a:srgbClr val="CCCCCC"/>
+              </a:solidFill>
+              <a:latin typeface="Arial" pitchFamily="34" charset="0"/>
+              <a:cs typeface="Arial" pitchFamily="34" charset="0"/>
+            </a:endParaRPr>
+          </a:p>
+          <a:p>
+            <a:pPr marL="457200" indent="-457200">
+              <a:buFont typeface="Arial" pitchFamily="34" charset="0"/>
+              <a:buChar char="•"/>
+            </a:pPr>
+            <a:r>
+              <a:rPr lang="en-US" sz="4800" dirty="0" smtClean="0">
+                <a:solidFill>
+                  <a:srgbClr val="CCCCCC"/>
+                </a:solidFill>
+                <a:latin typeface="Arial" pitchFamily="34" charset="0"/>
+                <a:cs typeface="Arial" pitchFamily="34" charset="0"/>
+              </a:rPr>
+              <a:t>I would like to thank my laptop  for allowing me to complete this undertaking</a:t>
+            </a:r>
+            <a:endParaRPr lang="en-US" sz="4800" dirty="0">
+              <a:solidFill>
+                <a:srgbClr val="CCCCCC"/>
+              </a:solidFill>
+              <a:latin typeface="Arial" pitchFamily="34" charset="0"/>
+              <a:cs typeface="Arial" pitchFamily="34" charset="0"/>
+            </a:endParaRPr>
+          </a:p>
+        </p:txBody>
+      </p:sp>
+      <p:sp>
+        <p:nvSpPr>
+          <p:cNvPr id="30" name="TextBox 29"/>
+          <p:cNvSpPr txBox="1"/>
+          <p:nvPr/>
+        </p:nvSpPr>
+        <p:spPr>
+          <a:xfrm>
+            <a:off x="16535400" y="20574000"/>
+            <a:ext cx="14782800" cy="3046988"/>
+          </a:xfrm>
+          <a:prstGeom prst="rect">
+            <a:avLst/>
+          </a:prstGeom>
+          <a:noFill/>
+        </p:spPr>
+        <p:txBody>
+          <a:bodyPr wrap="square" rtlCol="0">
+            <a:spAutoFit/>
+          </a:bodyPr>
+          <a:lstStyle/>
+          <a:p>
+            <a:pPr marL="457200" indent="-457200"/>
+            <a:endParaRPr lang="en-US" sz="4800" dirty="0" smtClean="0">
+              <a:solidFill>
+                <a:srgbClr val="CCCCCC"/>
+              </a:solidFill>
+              <a:latin typeface="Arial" pitchFamily="34" charset="0"/>
+              <a:cs typeface="Arial" pitchFamily="34" charset="0"/>
+            </a:endParaRPr>
+          </a:p>
+          <a:p>
+            <a:pPr marL="457200" indent="-457200">
+              <a:buFont typeface="Arial" pitchFamily="34" charset="0"/>
+              <a:buChar char="•"/>
+            </a:pPr>
+            <a:r>
+              <a:rPr lang="en-US" sz="4800" dirty="0" smtClean="0">
+                <a:solidFill>
+                  <a:srgbClr val="CCCCCC"/>
+                </a:solidFill>
+                <a:latin typeface="Arial" pitchFamily="34" charset="0"/>
+                <a:cs typeface="Arial" pitchFamily="34" charset="0"/>
+              </a:rPr>
+              <a:t>People really like this app</a:t>
+            </a:r>
+            <a:br>
+              <a:rPr lang="en-US" sz="4800" dirty="0" smtClean="0">
+                <a:solidFill>
+                  <a:srgbClr val="CCCCCC"/>
+                </a:solidFill>
+                <a:latin typeface="Arial" pitchFamily="34" charset="0"/>
+                <a:cs typeface="Arial" pitchFamily="34" charset="0"/>
+              </a:rPr>
+            </a:br>
+            <a:endParaRPr lang="en-US" sz="4800" dirty="0" smtClean="0">
+              <a:solidFill>
+                <a:srgbClr val="CCCCCC"/>
+              </a:solidFill>
+              <a:latin typeface="Arial" pitchFamily="34" charset="0"/>
+              <a:cs typeface="Arial" pitchFamily="34" charset="0"/>
+            </a:endParaRPr>
+          </a:p>
+          <a:p>
+            <a:pPr marL="457200" indent="-457200">
+              <a:buFont typeface="Arial" pitchFamily="34" charset="0"/>
+              <a:buChar char="•"/>
+            </a:pPr>
+            <a:r>
+              <a:rPr lang="en-US" sz="4800" dirty="0" smtClean="0">
+                <a:solidFill>
+                  <a:srgbClr val="CCCCCC"/>
+                </a:solidFill>
+                <a:latin typeface="Arial" pitchFamily="34" charset="0"/>
+                <a:cs typeface="Arial" pitchFamily="34" charset="0"/>
+              </a:rPr>
+              <a:t>We are kind of a big deal </a:t>
+            </a:r>
+            <a:endParaRPr lang="en-US" sz="4800" dirty="0">
+              <a:solidFill>
+                <a:srgbClr val="CCCCCC"/>
+              </a:solidFill>
+              <a:latin typeface="Arial" pitchFamily="34" charset="0"/>
+              <a:cs typeface="Arial" pitchFamily="34" charset="0"/>
+            </a:endParaRPr>
+          </a:p>
+        </p:txBody>
+      </p:sp>
     </p:spTree>
   </p:cSld>
   <p:clrMapOvr>
